--- a/DesignDocument/(5Team_Presentation_002) Final presentation.pptx
+++ b/DesignDocument/(5Team_Presentation_002) Final presentation.pptx
@@ -388,11 +388,11 @@
           <c:showPercent val="0"/>
           <c:showBubbleSize val="0"/>
         </c:dLbls>
-        <c:axId val="210505408"/>
-        <c:axId val="336080136"/>
+        <c:axId val="228875744"/>
+        <c:axId val="228875352"/>
       </c:scatterChart>
       <c:valAx>
-        <c:axId val="210505408"/>
+        <c:axId val="228875744"/>
         <c:scaling>
           <c:orientation val="minMax"/>
         </c:scaling>
@@ -449,12 +449,12 @@
             <a:endParaRPr lang="ko-KR"/>
           </a:p>
         </c:txPr>
-        <c:crossAx val="336080136"/>
+        <c:crossAx val="228875352"/>
         <c:crosses val="autoZero"/>
         <c:crossBetween val="midCat"/>
       </c:valAx>
       <c:valAx>
-        <c:axId val="336080136"/>
+        <c:axId val="228875352"/>
         <c:scaling>
           <c:orientation val="minMax"/>
         </c:scaling>
@@ -511,7 +511,7 @@
             <a:endParaRPr lang="ko-KR"/>
           </a:p>
         </c:txPr>
-        <c:crossAx val="210505408"/>
+        <c:crossAx val="228875744"/>
         <c:crosses val="autoZero"/>
         <c:crossBetween val="midCat"/>
       </c:valAx>
@@ -3944,23 +3944,41 @@
           <a:lstStyle/>
           <a:p>
             <a:r>
-              <a:rPr lang="en-US" altLang="ko-KR" sz="4000" smtClean="0">
+              <a:rPr lang="en-US" altLang="ko-KR" sz="4000" dirty="0" smtClean="0">
                 <a:ea typeface="굴림" panose="020B0600000101010101" pitchFamily="50" charset="-127"/>
               </a:rPr>
               <a:t>Sure-Park:</a:t>
             </a:r>
             <a:br>
-              <a:rPr lang="en-US" altLang="ko-KR" sz="4000" smtClean="0">
+              <a:rPr lang="en-US" altLang="ko-KR" sz="4000" dirty="0" smtClean="0">
                 <a:ea typeface="굴림" panose="020B0600000101010101" pitchFamily="50" charset="-127"/>
               </a:rPr>
             </a:br>
             <a:r>
-              <a:rPr lang="en-US" altLang="ko-KR" sz="4000" smtClean="0">
+              <a:rPr lang="en-US" altLang="ko-KR" sz="4000" dirty="0" smtClean="0">
                 <a:ea typeface="굴림" panose="020B0600000101010101" pitchFamily="50" charset="-127"/>
               </a:rPr>
-              <a:t>Parking garage management system</a:t>
+              <a:t>Parking lot</a:t>
             </a:r>
-            <a:endParaRPr lang="en-US" altLang="ko-KR" sz="2800" smtClean="0">
+            <a:r>
+              <a:rPr lang="ko-KR" altLang="en-US" sz="4000" smtClean="0">
+                <a:ea typeface="굴림" panose="020B0600000101010101" pitchFamily="50" charset="-127"/>
+              </a:rPr>
+              <a:t> </a:t>
+            </a:r>
+            <a:r>
+              <a:rPr lang="en-US" altLang="ko-KR" sz="4000" dirty="0" smtClean="0">
+                <a:ea typeface="굴림" panose="020B0600000101010101" pitchFamily="50" charset="-127"/>
+              </a:rPr>
+              <a:t>management </a:t>
+            </a:r>
+            <a:r>
+              <a:rPr lang="en-US" altLang="ko-KR" sz="4000" dirty="0" smtClean="0">
+                <a:ea typeface="굴림" panose="020B0600000101010101" pitchFamily="50" charset="-127"/>
+              </a:rPr>
+              <a:t>system</a:t>
+            </a:r>
+            <a:endParaRPr lang="en-US" altLang="ko-KR" sz="2800" dirty="0" smtClean="0">
               <a:ea typeface="굴림" panose="020B0600000101010101" pitchFamily="50" charset="-127"/>
             </a:endParaRPr>
           </a:p>
@@ -3990,8 +4008,11 @@
               <a:rPr lang="en-US" altLang="ko-KR" sz="2800" b="0" dirty="0" smtClean="0">
                 <a:ea typeface="굴림" panose="020B0600000101010101" pitchFamily="50" charset="-127"/>
               </a:rPr>
-              <a:t>2016/5/27</a:t>
+              <a:t>2016/6/24</a:t>
             </a:r>
+            <a:endParaRPr lang="en-US" altLang="ko-KR" sz="2800" b="0" dirty="0" smtClean="0">
+              <a:ea typeface="굴림" panose="020B0600000101010101" pitchFamily="50" charset="-127"/>
+            </a:endParaRPr>
           </a:p>
           <a:p>
             <a:r>
@@ -15611,42 +15632,13 @@
               <a:rPr lang="en-US" altLang="ko-KR" dirty="0" smtClean="0">
                 <a:ea typeface="굴림" panose="020B0600000101010101" pitchFamily="50" charset="-127"/>
               </a:rPr>
-              <a:t>Contexts</a:t>
+              <a:t>Architecture </a:t>
             </a:r>
-          </a:p>
-          <a:p>
-            <a:pPr lvl="1"/>
             <a:r>
               <a:rPr lang="en-US" altLang="ko-KR" dirty="0" smtClean="0">
                 <a:ea typeface="굴림" panose="020B0600000101010101" pitchFamily="50" charset="-127"/>
               </a:rPr>
-              <a:t>Market, Organization, Business, Technology</a:t>
-            </a:r>
-          </a:p>
-          <a:p>
-            <a:pPr lvl="1"/>
-            <a:r>
-              <a:rPr lang="en-US" altLang="ko-KR" dirty="0" smtClean="0">
-                <a:ea typeface="굴림" panose="020B0600000101010101" pitchFamily="50" charset="-127"/>
-              </a:rPr>
-              <a:t>Stakeholders</a:t>
-            </a:r>
-          </a:p>
-          <a:p>
-            <a:pPr lvl="1"/>
-            <a:r>
-              <a:rPr lang="en-US" altLang="ko-KR" dirty="0" smtClean="0">
-                <a:ea typeface="굴림" panose="020B0600000101010101" pitchFamily="50" charset="-127"/>
-              </a:rPr>
-              <a:t>System context diagram</a:t>
-            </a:r>
-          </a:p>
-          <a:p>
-            <a:r>
-              <a:rPr lang="en-US" altLang="ko-KR" dirty="0" smtClean="0">
-                <a:ea typeface="굴림" panose="020B0600000101010101" pitchFamily="50" charset="-127"/>
-              </a:rPr>
-              <a:t>Architecture drivers</a:t>
+              <a:t>drivers</a:t>
             </a:r>
           </a:p>
           <a:p>
@@ -24964,18 +24956,7 @@
                           <a:latin typeface="Calibri" panose="020F0502020204030204" pitchFamily="34" charset="0"/>
                           <a:ea typeface="맑은 고딕" panose="020B0503020000020004" pitchFamily="50" charset="-127"/>
                         </a:rPr>
-                        <a:t>Java (Android), </a:t>
-                      </a:r>
-                      <a:r>
-                        <a:rPr lang="en-US" sz="1600" b="0" i="0" u="none" strike="noStrike" dirty="0" smtClean="0">
-                          <a:solidFill>
-                            <a:srgbClr val="000000"/>
-                          </a:solidFill>
-                          <a:effectLst/>
-                          <a:latin typeface="Calibri" panose="020F0502020204030204" pitchFamily="34" charset="0"/>
-                          <a:ea typeface="맑은 고딕" panose="020B0503020000020004" pitchFamily="50" charset="-127"/>
-                        </a:rPr>
-                        <a:t>C/C++</a:t>
+                        <a:t>Java (Android), C/C++</a:t>
                       </a:r>
                       <a:r>
                         <a:rPr lang="en-US" sz="1600" b="0" i="0" u="none" strike="noStrike" baseline="0" dirty="0" smtClean="0">
@@ -25410,18 +25391,7 @@
                           <a:latin typeface="Calibri" panose="020F0502020204030204" pitchFamily="34" charset="0"/>
                           <a:ea typeface="맑은 고딕" panose="020B0503020000020004" pitchFamily="50" charset="-127"/>
                         </a:rPr>
-                        <a:t> Arduino MEGA 2560 (Wi-Fi enabled), </a:t>
-                      </a:r>
-                      <a:r>
-                        <a:rPr lang="en-US" sz="1600" b="0" i="0" u="none" strike="noStrike" baseline="0" dirty="0" smtClean="0">
-                          <a:solidFill>
-                            <a:srgbClr val="000000"/>
-                          </a:solidFill>
-                          <a:effectLst/>
-                          <a:latin typeface="Calibri" panose="020F0502020204030204" pitchFamily="34" charset="0"/>
-                          <a:ea typeface="맑은 고딕" panose="020B0503020000020004" pitchFamily="50" charset="-127"/>
-                        </a:rPr>
-                        <a:t>Android devices</a:t>
+                        <a:t> Arduino MEGA 2560 (Wi-Fi enabled), Android devices</a:t>
                       </a:r>
                       <a:endParaRPr lang="en-US" sz="1600" b="0" i="0" u="none" strike="noStrike" dirty="0">
                         <a:solidFill>

--- a/DesignDocument/(5Team_Presentation_002) Final presentation.pptx
+++ b/DesignDocument/(5Team_Presentation_002) Final presentation.pptx
@@ -383,11 +383,11 @@
           <c:showPercent val="0"/>
           <c:showBubbleSize val="0"/>
         </c:dLbls>
-        <c:axId val="341589520"/>
-        <c:axId val="341589128"/>
+        <c:axId val="308504480"/>
+        <c:axId val="308504872"/>
       </c:scatterChart>
       <c:valAx>
-        <c:axId val="341589520"/>
+        <c:axId val="308504480"/>
         <c:scaling>
           <c:orientation val="minMax"/>
         </c:scaling>
@@ -444,12 +444,12 @@
             <a:endParaRPr lang="ko-KR"/>
           </a:p>
         </c:txPr>
-        <c:crossAx val="341589128"/>
+        <c:crossAx val="308504872"/>
         <c:crosses val="autoZero"/>
         <c:crossBetween val="midCat"/>
       </c:valAx>
       <c:valAx>
-        <c:axId val="341589128"/>
+        <c:axId val="308504872"/>
         <c:scaling>
           <c:orientation val="minMax"/>
         </c:scaling>
@@ -506,7 +506,7 @@
             <a:endParaRPr lang="ko-KR"/>
           </a:p>
         </c:txPr>
-        <c:crossAx val="341589520"/>
+        <c:crossAx val="308504480"/>
         <c:crosses val="autoZero"/>
         <c:crossBetween val="midCat"/>
       </c:valAx>
@@ -4084,7 +4084,6 @@
               <a:rPr lang="en-US" altLang="ko-KR" dirty="0" smtClean="0"/>
               <a:t>Why?</a:t>
             </a:r>
-            <a:endParaRPr lang="en-US" altLang="ko-KR" dirty="0" smtClean="0"/>
           </a:p>
           <a:p>
             <a:pPr lvl="1"/>
@@ -14257,56 +14256,6 @@
             </a:r>
           </a:p>
           <a:p>
-            <a:r>
-              <a:rPr lang="en-US" altLang="ko-KR" dirty="0" smtClean="0">
-                <a:ea typeface="굴림" panose="020B0600000101010101" pitchFamily="50" charset="-127"/>
-              </a:rPr>
-              <a:t>Analysis</a:t>
-            </a:r>
-          </a:p>
-          <a:p>
-            <a:pPr lvl="1"/>
-            <a:r>
-              <a:rPr lang="en-US" altLang="ko-KR" dirty="0" smtClean="0">
-                <a:ea typeface="굴림" panose="020B0600000101010101" pitchFamily="50" charset="-127"/>
-              </a:rPr>
-              <a:t>Architecture drivers</a:t>
-            </a:r>
-          </a:p>
-          <a:p>
-            <a:r>
-              <a:rPr lang="en-US" altLang="ko-KR" dirty="0" smtClean="0">
-                <a:ea typeface="굴림" panose="020B0600000101010101" pitchFamily="50" charset="-127"/>
-              </a:rPr>
-              <a:t>Design</a:t>
-            </a:r>
-          </a:p>
-          <a:p>
-            <a:pPr lvl="1"/>
-            <a:r>
-              <a:rPr lang="en-US" altLang="ko-KR" dirty="0" smtClean="0">
-                <a:ea typeface="굴림" panose="020B0600000101010101" pitchFamily="50" charset="-127"/>
-              </a:rPr>
-              <a:t>Dynamic perspective</a:t>
-            </a:r>
-          </a:p>
-          <a:p>
-            <a:pPr lvl="1"/>
-            <a:r>
-              <a:rPr lang="en-US" altLang="ko-KR" dirty="0" smtClean="0">
-                <a:ea typeface="굴림" panose="020B0600000101010101" pitchFamily="50" charset="-127"/>
-              </a:rPr>
-              <a:t>Static perspective</a:t>
-            </a:r>
-          </a:p>
-          <a:p>
-            <a:pPr lvl="1"/>
-            <a:r>
-              <a:rPr lang="en-US" altLang="ko-KR" dirty="0" smtClean="0">
-                <a:ea typeface="굴림" panose="020B0600000101010101" pitchFamily="50" charset="-127"/>
-              </a:rPr>
-              <a:t>Physical perspective</a:t>
-            </a:r>
             <a:endParaRPr lang="en-US" altLang="ko-KR" dirty="0" smtClean="0">
               <a:ea typeface="굴림" panose="020B0600000101010101" pitchFamily="50" charset="-127"/>
             </a:endParaRPr>
@@ -14316,15 +14265,7 @@
               <a:rPr lang="en-US" altLang="ko-KR" dirty="0" smtClean="0">
                 <a:ea typeface="굴림" panose="020B0600000101010101" pitchFamily="50" charset="-127"/>
               </a:rPr>
-              <a:t>Test</a:t>
-            </a:r>
-          </a:p>
-          <a:p>
-            <a:r>
-              <a:rPr lang="en-US" altLang="ko-KR" dirty="0" smtClean="0">
-                <a:ea typeface="굴림" panose="020B0600000101010101" pitchFamily="50" charset="-127"/>
-              </a:rPr>
-              <a:t>Project Management</a:t>
+              <a:t>Our present, not present</a:t>
             </a:r>
           </a:p>
           <a:p>
@@ -14333,7 +14274,31 @@
               <a:rPr lang="en-US" altLang="ko-KR" dirty="0" smtClean="0">
                 <a:ea typeface="굴림" panose="020B0600000101010101" pitchFamily="50" charset="-127"/>
               </a:rPr>
-              <a:t>Plans, Time log</a:t>
+              <a:t>Focus</a:t>
+            </a:r>
+            <a:endParaRPr lang="en-US" altLang="ko-KR" dirty="0" smtClean="0">
+              <a:ea typeface="굴림" panose="020B0600000101010101" pitchFamily="50" charset="-127"/>
+            </a:endParaRPr>
+          </a:p>
+          <a:p>
+            <a:pPr lvl="1"/>
+            <a:r>
+              <a:rPr lang="en-US" altLang="ko-KR" dirty="0" smtClean="0">
+                <a:ea typeface="굴림" panose="020B0600000101010101" pitchFamily="50" charset="-127"/>
+              </a:rPr>
+              <a:t>Realize</a:t>
+            </a:r>
+            <a:endParaRPr lang="en-US" altLang="ko-KR" dirty="0" smtClean="0">
+              <a:ea typeface="굴림" panose="020B0600000101010101" pitchFamily="50" charset="-127"/>
+            </a:endParaRPr>
+          </a:p>
+          <a:p>
+            <a:pPr lvl="1"/>
+            <a:r>
+              <a:rPr lang="en-US" altLang="ko-KR" dirty="0" smtClean="0">
+                <a:ea typeface="굴림" panose="020B0600000101010101" pitchFamily="50" charset="-127"/>
+              </a:rPr>
+              <a:t>Validate</a:t>
             </a:r>
           </a:p>
           <a:p>
@@ -14342,9 +14307,14 @@
               <a:rPr lang="en-US" altLang="ko-KR" dirty="0" smtClean="0">
                 <a:ea typeface="굴림" panose="020B0600000101010101" pitchFamily="50" charset="-127"/>
               </a:rPr>
-              <a:t>Risk</a:t>
+              <a:t>And so on</a:t>
             </a:r>
-            <a:endParaRPr lang="ko-KR" altLang="en-US" smtClean="0">
+            <a:endParaRPr lang="en-US" altLang="ko-KR" dirty="0" smtClean="0">
+              <a:ea typeface="굴림" panose="020B0600000101010101" pitchFamily="50" charset="-127"/>
+            </a:endParaRPr>
+          </a:p>
+          <a:p>
+            <a:endParaRPr lang="en-US" altLang="ko-KR" dirty="0" smtClean="0">
               <a:ea typeface="굴림" panose="020B0600000101010101" pitchFamily="50" charset="-127"/>
             </a:endParaRPr>
           </a:p>
@@ -14353,11 +14323,14 @@
               <a:rPr lang="en-US" altLang="ko-KR" dirty="0" smtClean="0">
                 <a:ea typeface="굴림" panose="020B0600000101010101" pitchFamily="50" charset="-127"/>
               </a:rPr>
-              <a:t>Lessons learned</a:t>
+              <a:t>Lessons </a:t>
             </a:r>
-            <a:endParaRPr lang="en-US" altLang="ko-KR" dirty="0" smtClean="0">
-              <a:ea typeface="굴림" panose="020B0600000101010101" pitchFamily="50" charset="-127"/>
-            </a:endParaRPr>
+            <a:r>
+              <a:rPr lang="en-US" altLang="ko-KR" dirty="0" smtClean="0">
+                <a:ea typeface="굴림" panose="020B0600000101010101" pitchFamily="50" charset="-127"/>
+              </a:rPr>
+              <a:t>learned</a:t>
+            </a:r>
           </a:p>
         </p:txBody>
       </p:sp>
@@ -14610,13 +14583,7 @@
               <a:rPr lang="en-US" altLang="ko-KR" dirty="0" smtClean="0">
                 <a:ea typeface="굴림" panose="020B0600000101010101" pitchFamily="50" charset="-127"/>
               </a:rPr>
-              <a:t>1. </a:t>
-            </a:r>
-            <a:r>
-              <a:rPr lang="en-US" altLang="ko-KR" dirty="0" smtClean="0">
-                <a:ea typeface="굴림" panose="020B0600000101010101" pitchFamily="50" charset="-127"/>
-              </a:rPr>
-              <a:t>Overview</a:t>
+              <a:t>1. Overview</a:t>
             </a:r>
             <a:endParaRPr lang="ko-KR" altLang="en-US" smtClean="0">
               <a:ea typeface="굴림" panose="020B0600000101010101" pitchFamily="50" charset="-127"/>
@@ -14935,11 +14902,7 @@
           <a:p>
             <a:r>
               <a:rPr lang="en-US" altLang="ko-KR" dirty="0" smtClean="0"/>
-              <a:t>1. </a:t>
-            </a:r>
-            <a:r>
-              <a:rPr lang="en-US" altLang="ko-KR" dirty="0" smtClean="0"/>
-              <a:t>Overview</a:t>
+              <a:t>1. Overview</a:t>
             </a:r>
             <a:endParaRPr lang="ko-KR" altLang="en-US"/>
           </a:p>
@@ -15622,11 +15585,7 @@
           <a:p>
             <a:r>
               <a:rPr lang="en-US" altLang="ko-KR" dirty="0" smtClean="0"/>
-              <a:t>2. </a:t>
-            </a:r>
-            <a:r>
-              <a:rPr lang="en-US" altLang="ko-KR" dirty="0" smtClean="0"/>
-              <a:t>Analysis</a:t>
+              <a:t>2. Analysis</a:t>
             </a:r>
             <a:endParaRPr lang="ko-KR" altLang="en-US"/>
           </a:p>
@@ -21579,7 +21538,6 @@
               <a:rPr lang="en-US" altLang="ko-KR" dirty="0" smtClean="0"/>
               <a:t>Why?</a:t>
             </a:r>
-            <a:endParaRPr lang="en-US" altLang="ko-KR" dirty="0" smtClean="0"/>
           </a:p>
           <a:p>
             <a:pPr lvl="1"/>
